--- a/演示文稿图片.pptx
+++ b/演示文稿图片.pptx
@@ -243,7 +243,7 @@
           <a:p>
             <a:fld id="{3061FC46-4A4A-054B-8F30-7B28FA2F0C74}" type="datetimeFigureOut">
               <a:rPr kumimoji="1" lang="zh-CN" altLang="en-US" smtClean="0"/>
-              <a:t>16/5/18</a:t>
+              <a:t>16/5/19</a:t>
             </a:fld>
             <a:endParaRPr kumimoji="1" lang="zh-CN" altLang="en-US"/>
           </a:p>
@@ -413,7 +413,7 @@
           <a:p>
             <a:fld id="{3061FC46-4A4A-054B-8F30-7B28FA2F0C74}" type="datetimeFigureOut">
               <a:rPr kumimoji="1" lang="zh-CN" altLang="en-US" smtClean="0"/>
-              <a:t>16/5/18</a:t>
+              <a:t>16/5/19</a:t>
             </a:fld>
             <a:endParaRPr kumimoji="1" lang="zh-CN" altLang="en-US"/>
           </a:p>
@@ -593,7 +593,7 @@
           <a:p>
             <a:fld id="{3061FC46-4A4A-054B-8F30-7B28FA2F0C74}" type="datetimeFigureOut">
               <a:rPr kumimoji="1" lang="zh-CN" altLang="en-US" smtClean="0"/>
-              <a:t>16/5/18</a:t>
+              <a:t>16/5/19</a:t>
             </a:fld>
             <a:endParaRPr kumimoji="1" lang="zh-CN" altLang="en-US"/>
           </a:p>
@@ -763,7 +763,7 @@
           <a:p>
             <a:fld id="{3061FC46-4A4A-054B-8F30-7B28FA2F0C74}" type="datetimeFigureOut">
               <a:rPr kumimoji="1" lang="zh-CN" altLang="en-US" smtClean="0"/>
-              <a:t>16/5/18</a:t>
+              <a:t>16/5/19</a:t>
             </a:fld>
             <a:endParaRPr kumimoji="1" lang="zh-CN" altLang="en-US"/>
           </a:p>
@@ -1009,7 +1009,7 @@
           <a:p>
             <a:fld id="{3061FC46-4A4A-054B-8F30-7B28FA2F0C74}" type="datetimeFigureOut">
               <a:rPr kumimoji="1" lang="zh-CN" altLang="en-US" smtClean="0"/>
-              <a:t>16/5/18</a:t>
+              <a:t>16/5/19</a:t>
             </a:fld>
             <a:endParaRPr kumimoji="1" lang="zh-CN" altLang="en-US"/>
           </a:p>
@@ -1241,7 +1241,7 @@
           <a:p>
             <a:fld id="{3061FC46-4A4A-054B-8F30-7B28FA2F0C74}" type="datetimeFigureOut">
               <a:rPr kumimoji="1" lang="zh-CN" altLang="en-US" smtClean="0"/>
-              <a:t>16/5/18</a:t>
+              <a:t>16/5/19</a:t>
             </a:fld>
             <a:endParaRPr kumimoji="1" lang="zh-CN" altLang="en-US"/>
           </a:p>
@@ -1608,7 +1608,7 @@
           <a:p>
             <a:fld id="{3061FC46-4A4A-054B-8F30-7B28FA2F0C74}" type="datetimeFigureOut">
               <a:rPr kumimoji="1" lang="zh-CN" altLang="en-US" smtClean="0"/>
-              <a:t>16/5/18</a:t>
+              <a:t>16/5/19</a:t>
             </a:fld>
             <a:endParaRPr kumimoji="1" lang="zh-CN" altLang="en-US"/>
           </a:p>
@@ -1726,7 +1726,7 @@
           <a:p>
             <a:fld id="{3061FC46-4A4A-054B-8F30-7B28FA2F0C74}" type="datetimeFigureOut">
               <a:rPr kumimoji="1" lang="zh-CN" altLang="en-US" smtClean="0"/>
-              <a:t>16/5/18</a:t>
+              <a:t>16/5/19</a:t>
             </a:fld>
             <a:endParaRPr kumimoji="1" lang="zh-CN" altLang="en-US"/>
           </a:p>
@@ -1821,7 +1821,7 @@
           <a:p>
             <a:fld id="{3061FC46-4A4A-054B-8F30-7B28FA2F0C74}" type="datetimeFigureOut">
               <a:rPr kumimoji="1" lang="zh-CN" altLang="en-US" smtClean="0"/>
-              <a:t>16/5/18</a:t>
+              <a:t>16/5/19</a:t>
             </a:fld>
             <a:endParaRPr kumimoji="1" lang="zh-CN" altLang="en-US"/>
           </a:p>
@@ -2098,7 +2098,7 @@
           <a:p>
             <a:fld id="{3061FC46-4A4A-054B-8F30-7B28FA2F0C74}" type="datetimeFigureOut">
               <a:rPr kumimoji="1" lang="zh-CN" altLang="en-US" smtClean="0"/>
-              <a:t>16/5/18</a:t>
+              <a:t>16/5/19</a:t>
             </a:fld>
             <a:endParaRPr kumimoji="1" lang="zh-CN" altLang="en-US"/>
           </a:p>
@@ -2351,7 +2351,7 @@
           <a:p>
             <a:fld id="{3061FC46-4A4A-054B-8F30-7B28FA2F0C74}" type="datetimeFigureOut">
               <a:rPr kumimoji="1" lang="zh-CN" altLang="en-US" smtClean="0"/>
-              <a:t>16/5/18</a:t>
+              <a:t>16/5/19</a:t>
             </a:fld>
             <a:endParaRPr kumimoji="1" lang="zh-CN" altLang="en-US"/>
           </a:p>
@@ -2564,7 +2564,7 @@
           <a:p>
             <a:fld id="{3061FC46-4A4A-054B-8F30-7B28FA2F0C74}" type="datetimeFigureOut">
               <a:rPr kumimoji="1" lang="zh-CN" altLang="en-US" smtClean="0"/>
-              <a:t>16/5/18</a:t>
+              <a:t>16/5/19</a:t>
             </a:fld>
             <a:endParaRPr kumimoji="1" lang="zh-CN" altLang="en-US"/>
           </a:p>
@@ -3045,7 +3045,7 @@
         </p:blipFill>
         <p:spPr>
           <a:xfrm>
-            <a:off x="4407681" y="2201863"/>
+            <a:off x="5093481" y="2201863"/>
             <a:ext cx="2857500" cy="2800350"/>
           </a:xfrm>
           <a:prstGeom prst="rect">
